--- a/figure/BarGraph_matrix_with_CCs_640.pptx
+++ b/figure/BarGraph_matrix_with_CCs_640.pptx
@@ -9,7 +9,7 @@
     <p:notesMasterId r:id="rId4"/>
   </p:notesMasterIdLst>
   <p:sldIdLst>
-    <p:sldId id="256" r:id="rId3"/>
+    <p:sldId id="257" r:id="rId3"/>
   </p:sldIdLst>
   <p:sldSz cx="5551488" cy="3617913"/>
   <p:notesSz cx="6858000" cy="9144000"/>
@@ -221,17 +221,17 @@
                   <c:v>CC1-4: each 4thread</c:v>
                 </c:pt>
                 <c:pt idx="3">
-                  <c:v>IO DDR 4thread(cached)</c:v>
+                  <c:v>IO DDR 4thread (cached)</c:v>
                 </c:pt>
               </c:strCache>
             </c:strRef>
           </c:cat>
           <c:val>
             <c:numRef>
-              <c:f>'matrix 3'!$L$5:$N$5</c:f>
+              <c:f>'matrix 3'!$L$5:$O$5</c:f>
               <c:numCache>
                 <c:formatCode>General</c:formatCode>
-                <c:ptCount val="3"/>
+                <c:ptCount val="4"/>
                 <c:pt idx="0">
                   <c:v>40.417589999999997</c:v>
                 </c:pt>
@@ -241,12 +241,15 @@
                 <c:pt idx="2">
                   <c:v>40.428530000000002</c:v>
                 </c:pt>
+                <c:pt idx="3">
+                  <c:v>0</c:v>
+                </c:pt>
               </c:numCache>
             </c:numRef>
           </c:val>
           <c:extLst>
             <c:ext xmlns:c16="http://schemas.microsoft.com/office/drawing/2014/chart" uri="{C3380CC4-5D6E-409C-BE32-E72D297353CC}">
-              <c16:uniqueId val="{00000000-3290-414F-9254-51503F8CC842}"/>
+              <c16:uniqueId val="{00000000-FD30-4A44-BC90-0DA391325975}"/>
             </c:ext>
           </c:extLst>
         </c:ser>
@@ -289,7 +292,7 @@
             </c:spPr>
             <c:extLst>
               <c:ext xmlns:c16="http://schemas.microsoft.com/office/drawing/2014/chart" uri="{C3380CC4-5D6E-409C-BE32-E72D297353CC}">
-                <c16:uniqueId val="{00000002-3290-414F-9254-51503F8CC842}"/>
+                <c16:uniqueId val="{00000002-FD30-4A44-BC90-0DA391325975}"/>
               </c:ext>
             </c:extLst>
           </c:dPt>
@@ -308,7 +311,7 @@
                   <c:v>CC1-4: each 4thread</c:v>
                 </c:pt>
                 <c:pt idx="3">
-                  <c:v>IO DDR 4thread(cached)</c:v>
+                  <c:v>IO DDR 4thread (cached)</c:v>
                 </c:pt>
               </c:strCache>
             </c:strRef>
@@ -336,7 +339,7 @@
           </c:val>
           <c:extLst>
             <c:ext xmlns:c16="http://schemas.microsoft.com/office/drawing/2014/chart" uri="{C3380CC4-5D6E-409C-BE32-E72D297353CC}">
-              <c16:uniqueId val="{00000003-3290-414F-9254-51503F8CC842}"/>
+              <c16:uniqueId val="{00000003-FD30-4A44-BC90-0DA391325975}"/>
             </c:ext>
           </c:extLst>
         </c:ser>
@@ -381,17 +384,17 @@
                   <c:v>CC1-4: each 4thread</c:v>
                 </c:pt>
                 <c:pt idx="3">
-                  <c:v>IO DDR 4thread(cached)</c:v>
+                  <c:v>IO DDR 4thread (cached)</c:v>
                 </c:pt>
               </c:strCache>
             </c:strRef>
           </c:cat>
           <c:val>
             <c:numRef>
-              <c:f>'matrix 3'!$L$7:$N$7</c:f>
+              <c:f>'matrix 3'!$L$7:$O$7</c:f>
               <c:numCache>
                 <c:formatCode>General</c:formatCode>
-                <c:ptCount val="3"/>
+                <c:ptCount val="4"/>
                 <c:pt idx="0">
                   <c:v>39.522010000000002</c:v>
                 </c:pt>
@@ -401,12 +404,15 @@
                 <c:pt idx="2">
                   <c:v>39.488579999999999</c:v>
                 </c:pt>
+                <c:pt idx="3">
+                  <c:v>0</c:v>
+                </c:pt>
               </c:numCache>
             </c:numRef>
           </c:val>
           <c:extLst>
             <c:ext xmlns:c16="http://schemas.microsoft.com/office/drawing/2014/chart" uri="{C3380CC4-5D6E-409C-BE32-E72D297353CC}">
-              <c16:uniqueId val="{00000004-3290-414F-9254-51503F8CC842}"/>
+              <c16:uniqueId val="{00000004-FD30-4A44-BC90-0DA391325975}"/>
             </c:ext>
           </c:extLst>
         </c:ser>
@@ -530,8 +536,8 @@
             <c:manualLayout>
               <c:xMode val="edge"/>
               <c:yMode val="edge"/>
-              <c:x val="5.6730555843766572E-2"/>
-              <c:y val="0.25559846242847745"/>
+              <c:x val="5.673050627137631E-2"/>
+              <c:y val="0.21347481905770213"/>
             </c:manualLayout>
           </c:layout>
           <c:overlay val="0"/>
@@ -621,7 +627,7 @@
           <a:lstStyle/>
           <a:p>
             <a:pPr rtl="0">
-              <a:defRPr sz="1050" b="0" i="0" u="none" strike="noStrike" kern="1200" baseline="0">
+              <a:defRPr sz="900" b="0" i="0" u="none" strike="noStrike" kern="1200" baseline="0">
                 <a:solidFill>
                   <a:schemeClr val="tx1">
                     <a:lumMod val="65000"/>
@@ -1265,7 +1271,7 @@
           <a:p>
             <a:fld id="{7F0095D0-A9E1-4B64-AAAF-C179389DF804}" type="datetimeFigureOut">
               <a:rPr kumimoji="1" lang="ja-JP" altLang="en-US" smtClean="0"/>
-              <a:t>2017/3/10</a:t>
+              <a:t>2017/4/4</a:t>
             </a:fld>
             <a:endParaRPr kumimoji="1" lang="ja-JP" altLang="en-US"/>
           </a:p>
@@ -1708,7 +1714,7 @@
     </p:spTree>
     <p:extLst>
       <p:ext uri="{BB962C8B-B14F-4D97-AF65-F5344CB8AC3E}">
-        <p14:creationId xmlns:p14="http://schemas.microsoft.com/office/powerpoint/2010/main" val="1152994699"/>
+        <p14:creationId xmlns:p14="http://schemas.microsoft.com/office/powerpoint/2010/main" val="4150100166"/>
       </p:ext>
     </p:extLst>
   </p:cSld>
@@ -1849,7 +1855,7 @@
           <a:p>
             <a:fld id="{05B1DBB0-D0CE-4499-8A6D-C73AC9430D35}" type="datetimeFigureOut">
               <a:rPr kumimoji="1" lang="ja-JP" altLang="en-US" smtClean="0"/>
-              <a:t>2017/3/10</a:t>
+              <a:t>2017/4/4</a:t>
             </a:fld>
             <a:endParaRPr kumimoji="1" lang="ja-JP" altLang="en-US"/>
           </a:p>
@@ -2051,7 +2057,7 @@
           <a:p>
             <a:fld id="{05B1DBB0-D0CE-4499-8A6D-C73AC9430D35}" type="datetimeFigureOut">
               <a:rPr kumimoji="1" lang="ja-JP" altLang="en-US" smtClean="0"/>
-              <a:t>2017/3/10</a:t>
+              <a:t>2017/4/4</a:t>
             </a:fld>
             <a:endParaRPr kumimoji="1" lang="ja-JP" altLang="en-US"/>
           </a:p>
@@ -2263,7 +2269,7 @@
           <a:p>
             <a:fld id="{05B1DBB0-D0CE-4499-8A6D-C73AC9430D35}" type="datetimeFigureOut">
               <a:rPr kumimoji="1" lang="ja-JP" altLang="en-US" smtClean="0"/>
-              <a:t>2017/3/10</a:t>
+              <a:t>2017/4/4</a:t>
             </a:fld>
             <a:endParaRPr kumimoji="1" lang="ja-JP" altLang="en-US"/>
           </a:p>
@@ -2463,7 +2469,7 @@
           <a:p>
             <a:fld id="{1D8BD707-D9CF-40AE-B4C6-C98DA3205C09}" type="datetimeFigureOut">
               <a:rPr lang="en-US"/>
-              <a:t>3/10/2017</a:t>
+              <a:t>4/4/2017</a:t>
             </a:fld>
             <a:endParaRPr lang="en-US"/>
           </a:p>
@@ -2633,7 +2639,7 @@
           <a:p>
             <a:fld id="{1D8BD707-D9CF-40AE-B4C6-C98DA3205C09}" type="datetimeFigureOut">
               <a:rPr lang="en-US"/>
-              <a:t>3/10/2017</a:t>
+              <a:t>4/4/2017</a:t>
             </a:fld>
             <a:endParaRPr lang="en-US"/>
           </a:p>
@@ -2846,7 +2852,7 @@
           <a:p>
             <a:fld id="{1D8BD707-D9CF-40AE-B4C6-C98DA3205C09}" type="datetimeFigureOut">
               <a:rPr lang="en-US"/>
-              <a:t>3/10/2017</a:t>
+              <a:t>4/4/2017</a:t>
             </a:fld>
             <a:endParaRPr lang="en-US"/>
           </a:p>
@@ -2993,7 +2999,7 @@
           <a:p>
             <a:fld id="{1D8BD707-D9CF-40AE-B4C6-C98DA3205C09}" type="datetimeFigureOut">
               <a:rPr lang="en-US"/>
-              <a:t>3/10/2017</a:t>
+              <a:t>4/4/2017</a:t>
             </a:fld>
             <a:endParaRPr lang="en-US"/>
           </a:p>
@@ -3117,7 +3123,7 @@
           <a:p>
             <a:fld id="{1D8BD707-D9CF-40AE-B4C6-C98DA3205C09}" type="datetimeFigureOut">
               <a:rPr lang="en-US"/>
-              <a:t>3/10/2017</a:t>
+              <a:t>4/4/2017</a:t>
             </a:fld>
             <a:endParaRPr lang="en-US"/>
           </a:p>
@@ -3309,7 +3315,7 @@
           <a:p>
             <a:fld id="{05B1DBB0-D0CE-4499-8A6D-C73AC9430D35}" type="datetimeFigureOut">
               <a:rPr kumimoji="1" lang="ja-JP" altLang="en-US" smtClean="0"/>
-              <a:t>2017/3/10</a:t>
+              <a:t>2017/4/4</a:t>
             </a:fld>
             <a:endParaRPr kumimoji="1" lang="ja-JP" altLang="en-US"/>
           </a:p>
@@ -3555,7 +3561,7 @@
           <a:p>
             <a:fld id="{05B1DBB0-D0CE-4499-8A6D-C73AC9430D35}" type="datetimeFigureOut">
               <a:rPr kumimoji="1" lang="ja-JP" altLang="en-US" smtClean="0"/>
-              <a:t>2017/3/10</a:t>
+              <a:t>2017/4/4</a:t>
             </a:fld>
             <a:endParaRPr kumimoji="1" lang="ja-JP" altLang="en-US"/>
           </a:p>
@@ -3851,7 +3857,7 @@
           <a:p>
             <a:fld id="{05B1DBB0-D0CE-4499-8A6D-C73AC9430D35}" type="datetimeFigureOut">
               <a:rPr kumimoji="1" lang="ja-JP" altLang="en-US" smtClean="0"/>
-              <a:t>2017/3/10</a:t>
+              <a:t>2017/4/4</a:t>
             </a:fld>
             <a:endParaRPr kumimoji="1" lang="ja-JP" altLang="en-US"/>
           </a:p>
@@ -4282,7 +4288,7 @@
           <a:p>
             <a:fld id="{05B1DBB0-D0CE-4499-8A6D-C73AC9430D35}" type="datetimeFigureOut">
               <a:rPr kumimoji="1" lang="ja-JP" altLang="en-US" smtClean="0"/>
-              <a:t>2017/3/10</a:t>
+              <a:t>2017/4/4</a:t>
             </a:fld>
             <a:endParaRPr kumimoji="1" lang="ja-JP" altLang="en-US"/>
           </a:p>
@@ -4400,7 +4406,7 @@
           <a:p>
             <a:fld id="{05B1DBB0-D0CE-4499-8A6D-C73AC9430D35}" type="datetimeFigureOut">
               <a:rPr kumimoji="1" lang="ja-JP" altLang="en-US" smtClean="0"/>
-              <a:t>2017/3/10</a:t>
+              <a:t>2017/4/4</a:t>
             </a:fld>
             <a:endParaRPr kumimoji="1" lang="ja-JP" altLang="en-US"/>
           </a:p>
@@ -4495,7 +4501,7 @@
           <a:p>
             <a:fld id="{05B1DBB0-D0CE-4499-8A6D-C73AC9430D35}" type="datetimeFigureOut">
               <a:rPr kumimoji="1" lang="ja-JP" altLang="en-US" smtClean="0"/>
-              <a:t>2017/3/10</a:t>
+              <a:t>2017/4/4</a:t>
             </a:fld>
             <a:endParaRPr kumimoji="1" lang="ja-JP" altLang="en-US"/>
           </a:p>
@@ -4804,7 +4810,7 @@
           <a:p>
             <a:fld id="{05B1DBB0-D0CE-4499-8A6D-C73AC9430D35}" type="datetimeFigureOut">
               <a:rPr kumimoji="1" lang="ja-JP" altLang="en-US" smtClean="0"/>
-              <a:t>2017/3/10</a:t>
+              <a:t>2017/4/4</a:t>
             </a:fld>
             <a:endParaRPr kumimoji="1" lang="ja-JP" altLang="en-US"/>
           </a:p>
@@ -5057,7 +5063,7 @@
           <a:p>
             <a:fld id="{05B1DBB0-D0CE-4499-8A6D-C73AC9430D35}" type="datetimeFigureOut">
               <a:rPr kumimoji="1" lang="ja-JP" altLang="en-US" smtClean="0"/>
-              <a:t>2017/3/10</a:t>
+              <a:t>2017/4/4</a:t>
             </a:fld>
             <a:endParaRPr kumimoji="1" lang="ja-JP" altLang="en-US"/>
           </a:p>
@@ -5302,7 +5308,7 @@
           <a:p>
             <a:fld id="{05B1DBB0-D0CE-4499-8A6D-C73AC9430D35}" type="datetimeFigureOut">
               <a:rPr kumimoji="1" lang="ja-JP" altLang="en-US" smtClean="0"/>
-              <a:t>2017/3/10</a:t>
+              <a:t>2017/4/4</a:t>
             </a:fld>
             <a:endParaRPr kumimoji="1" lang="ja-JP" altLang="en-US"/>
           </a:p>
@@ -5857,7 +5863,7 @@
           <a:p>
             <a:fld id="{1D8BD707-D9CF-40AE-B4C6-C98DA3205C09}" type="datetimeFigureOut">
               <a:rPr lang="en-US"/>
-              <a:t>3/10/2017</a:t>
+              <a:t>4/4/2017</a:t>
             </a:fld>
             <a:endParaRPr lang="en-US"/>
           </a:p>
@@ -6083,14 +6089,14 @@
       </p:grpSpPr>
       <p:graphicFrame>
         <p:nvGraphicFramePr>
-          <p:cNvPr id="4" name="グラフ 3"/>
+          <p:cNvPr id="5" name="グラフ 4"/>
           <p:cNvGraphicFramePr>
             <a:graphicFrameLocks/>
           </p:cNvGraphicFramePr>
           <p:nvPr>
             <p:extLst>
               <p:ext uri="{D42A27DB-BD31-4B8C-83A1-F6EECF244321}">
-                <p14:modId xmlns:p14="http://schemas.microsoft.com/office/powerpoint/2010/main" val="636024063"/>
+                <p14:modId xmlns:p14="http://schemas.microsoft.com/office/powerpoint/2010/main" val="397467949"/>
               </p:ext>
             </p:extLst>
           </p:nvPr>
@@ -6108,7 +6114,7 @@
     </p:spTree>
     <p:extLst>
       <p:ext uri="{BB962C8B-B14F-4D97-AF65-F5344CB8AC3E}">
-        <p14:creationId xmlns:p14="http://schemas.microsoft.com/office/powerpoint/2010/main" val="1423963712"/>
+        <p14:creationId xmlns:p14="http://schemas.microsoft.com/office/powerpoint/2010/main" val="310153843"/>
       </p:ext>
     </p:extLst>
   </p:cSld>

--- a/figure/BarGraph_matrix_with_CCs_640.pptx
+++ b/figure/BarGraph_matrix_with_CCs_640.pptx
@@ -11,14 +11,14 @@
   <p:sldIdLst>
     <p:sldId id="257" r:id="rId3"/>
   </p:sldIdLst>
-  <p:sldSz cx="5551488" cy="3617913"/>
+  <p:sldSz cx="4075113" cy="2627313"/>
   <p:notesSz cx="6858000" cy="9144000"/>
   <p:defaultTextStyle>
     <a:defPPr>
       <a:defRPr lang="ja-JP"/>
     </a:defPPr>
-    <a:lvl1pPr marL="0" algn="l" defTabSz="224201" rtl="0" eaLnBrk="1" latinLnBrk="0" hangingPunct="1">
-      <a:defRPr kumimoji="1" sz="441" kern="1200">
+    <a:lvl1pPr marL="0" algn="l" defTabSz="163869" rtl="0" eaLnBrk="1" latinLnBrk="0" hangingPunct="1">
+      <a:defRPr kumimoji="1" sz="322" kern="1200">
         <a:solidFill>
           <a:schemeClr val="tx1"/>
         </a:solidFill>
@@ -27,8 +27,8 @@
         <a:cs typeface="+mn-cs"/>
       </a:defRPr>
     </a:lvl1pPr>
-    <a:lvl2pPr marL="112100" algn="l" defTabSz="224201" rtl="0" eaLnBrk="1" latinLnBrk="0" hangingPunct="1">
-      <a:defRPr kumimoji="1" sz="441" kern="1200">
+    <a:lvl2pPr marL="81934" algn="l" defTabSz="163869" rtl="0" eaLnBrk="1" latinLnBrk="0" hangingPunct="1">
+      <a:defRPr kumimoji="1" sz="322" kern="1200">
         <a:solidFill>
           <a:schemeClr val="tx1"/>
         </a:solidFill>
@@ -37,8 +37,8 @@
         <a:cs typeface="+mn-cs"/>
       </a:defRPr>
     </a:lvl2pPr>
-    <a:lvl3pPr marL="224201" algn="l" defTabSz="224201" rtl="0" eaLnBrk="1" latinLnBrk="0" hangingPunct="1">
-      <a:defRPr kumimoji="1" sz="441" kern="1200">
+    <a:lvl3pPr marL="163869" algn="l" defTabSz="163869" rtl="0" eaLnBrk="1" latinLnBrk="0" hangingPunct="1">
+      <a:defRPr kumimoji="1" sz="322" kern="1200">
         <a:solidFill>
           <a:schemeClr val="tx1"/>
         </a:solidFill>
@@ -47,8 +47,8 @@
         <a:cs typeface="+mn-cs"/>
       </a:defRPr>
     </a:lvl3pPr>
-    <a:lvl4pPr marL="336301" algn="l" defTabSz="224201" rtl="0" eaLnBrk="1" latinLnBrk="0" hangingPunct="1">
-      <a:defRPr kumimoji="1" sz="441" kern="1200">
+    <a:lvl4pPr marL="245802" algn="l" defTabSz="163869" rtl="0" eaLnBrk="1" latinLnBrk="0" hangingPunct="1">
+      <a:defRPr kumimoji="1" sz="322" kern="1200">
         <a:solidFill>
           <a:schemeClr val="tx1"/>
         </a:solidFill>
@@ -57,8 +57,8 @@
         <a:cs typeface="+mn-cs"/>
       </a:defRPr>
     </a:lvl4pPr>
-    <a:lvl5pPr marL="448401" algn="l" defTabSz="224201" rtl="0" eaLnBrk="1" latinLnBrk="0" hangingPunct="1">
-      <a:defRPr kumimoji="1" sz="441" kern="1200">
+    <a:lvl5pPr marL="327736" algn="l" defTabSz="163869" rtl="0" eaLnBrk="1" latinLnBrk="0" hangingPunct="1">
+      <a:defRPr kumimoji="1" sz="322" kern="1200">
         <a:solidFill>
           <a:schemeClr val="tx1"/>
         </a:solidFill>
@@ -67,8 +67,8 @@
         <a:cs typeface="+mn-cs"/>
       </a:defRPr>
     </a:lvl5pPr>
-    <a:lvl6pPr marL="560501" algn="l" defTabSz="224201" rtl="0" eaLnBrk="1" latinLnBrk="0" hangingPunct="1">
-      <a:defRPr kumimoji="1" sz="441" kern="1200">
+    <a:lvl6pPr marL="409670" algn="l" defTabSz="163869" rtl="0" eaLnBrk="1" latinLnBrk="0" hangingPunct="1">
+      <a:defRPr kumimoji="1" sz="322" kern="1200">
         <a:solidFill>
           <a:schemeClr val="tx1"/>
         </a:solidFill>
@@ -77,8 +77,8 @@
         <a:cs typeface="+mn-cs"/>
       </a:defRPr>
     </a:lvl6pPr>
-    <a:lvl7pPr marL="672602" algn="l" defTabSz="224201" rtl="0" eaLnBrk="1" latinLnBrk="0" hangingPunct="1">
-      <a:defRPr kumimoji="1" sz="441" kern="1200">
+    <a:lvl7pPr marL="491605" algn="l" defTabSz="163869" rtl="0" eaLnBrk="1" latinLnBrk="0" hangingPunct="1">
+      <a:defRPr kumimoji="1" sz="322" kern="1200">
         <a:solidFill>
           <a:schemeClr val="tx1"/>
         </a:solidFill>
@@ -87,8 +87,8 @@
         <a:cs typeface="+mn-cs"/>
       </a:defRPr>
     </a:lvl7pPr>
-    <a:lvl8pPr marL="784702" algn="l" defTabSz="224201" rtl="0" eaLnBrk="1" latinLnBrk="0" hangingPunct="1">
-      <a:defRPr kumimoji="1" sz="441" kern="1200">
+    <a:lvl8pPr marL="573539" algn="l" defTabSz="163869" rtl="0" eaLnBrk="1" latinLnBrk="0" hangingPunct="1">
+      <a:defRPr kumimoji="1" sz="322" kern="1200">
         <a:solidFill>
           <a:schemeClr val="tx1"/>
         </a:solidFill>
@@ -97,8 +97,8 @@
         <a:cs typeface="+mn-cs"/>
       </a:defRPr>
     </a:lvl8pPr>
-    <a:lvl9pPr marL="896802" algn="l" defTabSz="224201" rtl="0" eaLnBrk="1" latinLnBrk="0" hangingPunct="1">
-      <a:defRPr kumimoji="1" sz="441" kern="1200">
+    <a:lvl9pPr marL="655473" algn="l" defTabSz="163869" rtl="0" eaLnBrk="1" latinLnBrk="0" hangingPunct="1">
+      <a:defRPr kumimoji="1" sz="322" kern="1200">
         <a:solidFill>
           <a:schemeClr val="tx1"/>
         </a:solidFill>
@@ -157,12 +157,9 @@
         <a:lstStyle/>
         <a:p>
           <a:pPr>
-            <a:defRPr sz="1400" b="0" i="0" u="none" strike="noStrike" kern="1200" spc="0" baseline="0">
+            <a:defRPr sz="1600" b="0" i="0" u="none" strike="noStrike" kern="1200" spc="0" baseline="0">
               <a:solidFill>
-                <a:schemeClr val="tx1">
-                  <a:lumMod val="65000"/>
-                  <a:lumOff val="35000"/>
-                </a:schemeClr>
+                <a:sysClr val="windowText" lastClr="000000"/>
               </a:solidFill>
               <a:latin typeface="+mn-lt"/>
               <a:ea typeface="+mn-ea"/>
@@ -212,13 +209,13 @@
               <c:strCache>
                 <c:ptCount val="4"/>
                 <c:pt idx="0">
-                  <c:v>CC1-4: each 1thread</c:v>
+                  <c:v>CC1-4 1thread</c:v>
                 </c:pt>
                 <c:pt idx="1">
-                  <c:v>CC1-4: each 2thread</c:v>
+                  <c:v>CC1-4 2thread</c:v>
                 </c:pt>
                 <c:pt idx="2">
-                  <c:v>CC1-4: each 4thread</c:v>
+                  <c:v>CC1-4 4thread</c:v>
                 </c:pt>
                 <c:pt idx="3">
                   <c:v>IO DDR 4thread (cached)</c:v>
@@ -230,7 +227,7 @@
             <c:numRef>
               <c:f>'matrix 3'!$L$5:$O$5</c:f>
               <c:numCache>
-                <c:formatCode>General</c:formatCode>
+                <c:formatCode>#,##0.0_ </c:formatCode>
                 <c:ptCount val="4"/>
                 <c:pt idx="0">
                   <c:v>40.417589999999997</c:v>
@@ -249,7 +246,7 @@
           </c:val>
           <c:extLst>
             <c:ext xmlns:c16="http://schemas.microsoft.com/office/drawing/2014/chart" uri="{C3380CC4-5D6E-409C-BE32-E72D297353CC}">
-              <c16:uniqueId val="{00000000-FD30-4A44-BC90-0DA391325975}"/>
+              <c16:uniqueId val="{00000000-51FB-4E80-A19D-1C8AAF079E67}"/>
             </c:ext>
           </c:extLst>
         </c:ser>
@@ -292,7 +289,7 @@
             </c:spPr>
             <c:extLst>
               <c:ext xmlns:c16="http://schemas.microsoft.com/office/drawing/2014/chart" uri="{C3380CC4-5D6E-409C-BE32-E72D297353CC}">
-                <c16:uniqueId val="{00000002-FD30-4A44-BC90-0DA391325975}"/>
+                <c16:uniqueId val="{00000002-51FB-4E80-A19D-1C8AAF079E67}"/>
               </c:ext>
             </c:extLst>
           </c:dPt>
@@ -302,13 +299,13 @@
               <c:strCache>
                 <c:ptCount val="4"/>
                 <c:pt idx="0">
-                  <c:v>CC1-4: each 1thread</c:v>
+                  <c:v>CC1-4 1thread</c:v>
                 </c:pt>
                 <c:pt idx="1">
-                  <c:v>CC1-4: each 2thread</c:v>
+                  <c:v>CC1-4 2thread</c:v>
                 </c:pt>
                 <c:pt idx="2">
-                  <c:v>CC1-4: each 4thread</c:v>
+                  <c:v>CC1-4 4thread</c:v>
                 </c:pt>
                 <c:pt idx="3">
                   <c:v>IO DDR 4thread (cached)</c:v>
@@ -320,7 +317,7 @@
             <c:numRef>
               <c:f>'matrix 3'!$L$6:$O$6</c:f>
               <c:numCache>
-                <c:formatCode>General</c:formatCode>
+                <c:formatCode>#,##0.0_ </c:formatCode>
                 <c:ptCount val="4"/>
                 <c:pt idx="0">
                   <c:v>1614.5695800000001</c:v>
@@ -339,7 +336,7 @@
           </c:val>
           <c:extLst>
             <c:ext xmlns:c16="http://schemas.microsoft.com/office/drawing/2014/chart" uri="{C3380CC4-5D6E-409C-BE32-E72D297353CC}">
-              <c16:uniqueId val="{00000003-FD30-4A44-BC90-0DA391325975}"/>
+              <c16:uniqueId val="{00000003-51FB-4E80-A19D-1C8AAF079E67}"/>
             </c:ext>
           </c:extLst>
         </c:ser>
@@ -375,13 +372,13 @@
               <c:strCache>
                 <c:ptCount val="4"/>
                 <c:pt idx="0">
-                  <c:v>CC1-4: each 1thread</c:v>
+                  <c:v>CC1-4 1thread</c:v>
                 </c:pt>
                 <c:pt idx="1">
-                  <c:v>CC1-4: each 2thread</c:v>
+                  <c:v>CC1-4 2thread</c:v>
                 </c:pt>
                 <c:pt idx="2">
-                  <c:v>CC1-4: each 4thread</c:v>
+                  <c:v>CC1-4 4thread</c:v>
                 </c:pt>
                 <c:pt idx="3">
                   <c:v>IO DDR 4thread (cached)</c:v>
@@ -393,7 +390,7 @@
             <c:numRef>
               <c:f>'matrix 3'!$L$7:$O$7</c:f>
               <c:numCache>
-                <c:formatCode>General</c:formatCode>
+                <c:formatCode>#,##0.0_ </c:formatCode>
                 <c:ptCount val="4"/>
                 <c:pt idx="0">
                   <c:v>39.522010000000002</c:v>
@@ -412,7 +409,7 @@
           </c:val>
           <c:extLst>
             <c:ext xmlns:c16="http://schemas.microsoft.com/office/drawing/2014/chart" uri="{C3380CC4-5D6E-409C-BE32-E72D297353CC}">
-              <c16:uniqueId val="{00000004-FD30-4A44-BC90-0DA391325975}"/>
+              <c16:uniqueId val="{00000004-51FB-4E80-A19D-1C8AAF079E67}"/>
             </c:ext>
           </c:extLst>
         </c:ser>
@@ -507,26 +504,38 @@
               <a:bodyPr rot="-5400000" spcFirstLastPara="1" vertOverflow="ellipsis" vert="horz" wrap="square" anchor="ctr" anchorCtr="1"/>
               <a:lstStyle/>
               <a:p>
-                <a:pPr>
-                  <a:defRPr sz="1000" b="0" i="0" u="none" strike="noStrike" kern="1200" baseline="0">
+                <a:pPr algn="ctr">
+                  <a:defRPr sz="1200" b="0" i="0" u="none" strike="noStrike" kern="1200" baseline="0">
+                    <a:ln>
+                      <a:noFill/>
+                    </a:ln>
                     <a:solidFill>
-                      <a:schemeClr val="tx1">
-                        <a:lumMod val="65000"/>
-                        <a:lumOff val="35000"/>
-                      </a:schemeClr>
+                      <a:schemeClr val="tx1"/>
                     </a:solidFill>
-                    <a:latin typeface="+mn-lt"/>
+                    <a:latin typeface="+mn-ea"/>
                     <a:ea typeface="+mn-ea"/>
                     <a:cs typeface="+mn-cs"/>
                   </a:defRPr>
                 </a:pPr>
                 <a:r>
-                  <a:rPr lang="en-US" altLang="ja-JP" sz="1050" b="0" i="0" baseline="0">
+                  <a:rPr lang="en-US" altLang="ja-JP" sz="1200" b="0" i="0" baseline="0">
+                    <a:ln>
+                      <a:noFill/>
+                    </a:ln>
+                    <a:solidFill>
+                      <a:schemeClr val="tx1"/>
+                    </a:solidFill>
                     <a:effectLst/>
                   </a:rPr>
                   <a:t> calculation time [ms]</a:t>
                 </a:r>
-                <a:endParaRPr lang="ja-JP" altLang="ja-JP" sz="500">
+                <a:endParaRPr lang="ja-JP" altLang="ja-JP" sz="1200" b="0">
+                  <a:ln>
+                    <a:noFill/>
+                  </a:ln>
+                  <a:solidFill>
+                    <a:schemeClr val="tx1"/>
+                  </a:solidFill>
                   <a:effectLst/>
                 </a:endParaRPr>
               </a:p>
@@ -536,8 +545,8 @@
             <c:manualLayout>
               <c:xMode val="edge"/>
               <c:yMode val="edge"/>
-              <c:x val="5.673050627137631E-2"/>
-              <c:y val="0.21347481905770213"/>
+              <c:x val="4.7341936851132201E-2"/>
+              <c:y val="0.10936857033963034"/>
             </c:manualLayout>
           </c:layout>
           <c:overlay val="0"/>
@@ -552,15 +561,15 @@
             <a:bodyPr rot="-5400000" spcFirstLastPara="1" vertOverflow="ellipsis" vert="horz" wrap="square" anchor="ctr" anchorCtr="1"/>
             <a:lstStyle/>
             <a:p>
-              <a:pPr>
-                <a:defRPr sz="1000" b="0" i="0" u="none" strike="noStrike" kern="1200" baseline="0">
+              <a:pPr algn="ctr">
+                <a:defRPr sz="1200" b="0" i="0" u="none" strike="noStrike" kern="1200" baseline="0">
+                  <a:ln>
+                    <a:noFill/>
+                  </a:ln>
                   <a:solidFill>
-                    <a:schemeClr val="tx1">
-                      <a:lumMod val="65000"/>
-                      <a:lumOff val="35000"/>
-                    </a:schemeClr>
+                    <a:schemeClr val="tx1"/>
                   </a:solidFill>
-                  <a:latin typeface="+mn-lt"/>
+                  <a:latin typeface="+mn-ea"/>
                   <a:ea typeface="+mn-ea"/>
                   <a:cs typeface="+mn-cs"/>
                 </a:defRPr>
@@ -569,7 +578,7 @@
             </a:p>
           </c:txPr>
         </c:title>
-        <c:numFmt formatCode="General" sourceLinked="1"/>
+        <c:numFmt formatCode="#,##0_);[Red]\(#,##0\)" sourceLinked="0"/>
         <c:majorTickMark val="none"/>
         <c:minorTickMark val="none"/>
         <c:tickLblPos val="nextTo"/>
@@ -585,12 +594,9 @@
           <a:lstStyle/>
           <a:p>
             <a:pPr>
-              <a:defRPr sz="900" b="0" i="0" u="none" strike="noStrike" kern="1200" baseline="0">
+              <a:defRPr sz="1200" b="0" i="0" u="none" strike="noStrike" kern="1200" baseline="0">
                 <a:solidFill>
-                  <a:schemeClr val="tx1">
-                    <a:lumMod val="65000"/>
-                    <a:lumOff val="35000"/>
-                  </a:schemeClr>
+                  <a:schemeClr val="tx1"/>
                 </a:solidFill>
                 <a:latin typeface="+mn-lt"/>
                 <a:ea typeface="+mn-ea"/>
@@ -627,12 +633,9 @@
           <a:lstStyle/>
           <a:p>
             <a:pPr rtl="0">
-              <a:defRPr sz="900" b="0" i="0" u="none" strike="noStrike" kern="1200" baseline="0">
+              <a:defRPr sz="1000" b="0" i="0" u="none" strike="noStrike" kern="1200" baseline="0">
                 <a:solidFill>
-                  <a:schemeClr val="tx1">
-                    <a:lumMod val="65000"/>
-                    <a:lumOff val="35000"/>
-                  </a:schemeClr>
+                  <a:sysClr val="windowText" lastClr="000000"/>
                 </a:solidFill>
                 <a:latin typeface="+mn-lt"/>
                 <a:ea typeface="+mn-ea"/>
@@ -1271,7 +1274,7 @@
           <a:p>
             <a:fld id="{7F0095D0-A9E1-4B64-AAAF-C179389DF804}" type="datetimeFigureOut">
               <a:rPr kumimoji="1" lang="ja-JP" altLang="en-US" smtClean="0"/>
-              <a:t>2017/4/4</a:t>
+              <a:t>2017/6/2</a:t>
             </a:fld>
             <a:endParaRPr kumimoji="1" lang="ja-JP" altLang="en-US"/>
           </a:p>
@@ -1289,8 +1292,8 @@
         </p:nvSpPr>
         <p:spPr>
           <a:xfrm>
-            <a:off x="1062038" y="1143000"/>
-            <a:ext cx="4733925" cy="3086100"/>
+            <a:off x="1036638" y="1143000"/>
+            <a:ext cx="4784725" cy="3086100"/>
           </a:xfrm>
           <a:prstGeom prst="rect">
             <a:avLst/>
@@ -1477,8 +1480,8 @@
   </p:cSld>
   <p:clrMap bg1="lt1" tx1="dk1" bg2="lt2" tx2="dk2" accent1="accent1" accent2="accent2" accent3="accent3" accent4="accent4" accent5="accent5" accent6="accent6" hlink="hlink" folHlink="folHlink"/>
   <p:notesStyle>
-    <a:lvl1pPr marL="0" algn="l" defTabSz="224201" rtl="0" eaLnBrk="1" latinLnBrk="0" hangingPunct="1">
-      <a:defRPr kumimoji="1" sz="294" kern="1200">
+    <a:lvl1pPr marL="0" algn="l" defTabSz="163869" rtl="0" eaLnBrk="1" latinLnBrk="0" hangingPunct="1">
+      <a:defRPr kumimoji="1" sz="215" kern="1200">
         <a:solidFill>
           <a:schemeClr val="tx1"/>
         </a:solidFill>
@@ -1487,8 +1490,8 @@
         <a:cs typeface="+mn-cs"/>
       </a:defRPr>
     </a:lvl1pPr>
-    <a:lvl2pPr marL="112100" algn="l" defTabSz="224201" rtl="0" eaLnBrk="1" latinLnBrk="0" hangingPunct="1">
-      <a:defRPr kumimoji="1" sz="294" kern="1200">
+    <a:lvl2pPr marL="81934" algn="l" defTabSz="163869" rtl="0" eaLnBrk="1" latinLnBrk="0" hangingPunct="1">
+      <a:defRPr kumimoji="1" sz="215" kern="1200">
         <a:solidFill>
           <a:schemeClr val="tx1"/>
         </a:solidFill>
@@ -1497,8 +1500,8 @@
         <a:cs typeface="+mn-cs"/>
       </a:defRPr>
     </a:lvl2pPr>
-    <a:lvl3pPr marL="224201" algn="l" defTabSz="224201" rtl="0" eaLnBrk="1" latinLnBrk="0" hangingPunct="1">
-      <a:defRPr kumimoji="1" sz="294" kern="1200">
+    <a:lvl3pPr marL="163869" algn="l" defTabSz="163869" rtl="0" eaLnBrk="1" latinLnBrk="0" hangingPunct="1">
+      <a:defRPr kumimoji="1" sz="215" kern="1200">
         <a:solidFill>
           <a:schemeClr val="tx1"/>
         </a:solidFill>
@@ -1507,8 +1510,8 @@
         <a:cs typeface="+mn-cs"/>
       </a:defRPr>
     </a:lvl3pPr>
-    <a:lvl4pPr marL="336301" algn="l" defTabSz="224201" rtl="0" eaLnBrk="1" latinLnBrk="0" hangingPunct="1">
-      <a:defRPr kumimoji="1" sz="294" kern="1200">
+    <a:lvl4pPr marL="245802" algn="l" defTabSz="163869" rtl="0" eaLnBrk="1" latinLnBrk="0" hangingPunct="1">
+      <a:defRPr kumimoji="1" sz="215" kern="1200">
         <a:solidFill>
           <a:schemeClr val="tx1"/>
         </a:solidFill>
@@ -1517,8 +1520,8 @@
         <a:cs typeface="+mn-cs"/>
       </a:defRPr>
     </a:lvl4pPr>
-    <a:lvl5pPr marL="448401" algn="l" defTabSz="224201" rtl="0" eaLnBrk="1" latinLnBrk="0" hangingPunct="1">
-      <a:defRPr kumimoji="1" sz="294" kern="1200">
+    <a:lvl5pPr marL="327736" algn="l" defTabSz="163869" rtl="0" eaLnBrk="1" latinLnBrk="0" hangingPunct="1">
+      <a:defRPr kumimoji="1" sz="215" kern="1200">
         <a:solidFill>
           <a:schemeClr val="tx1"/>
         </a:solidFill>
@@ -1527,8 +1530,8 @@
         <a:cs typeface="+mn-cs"/>
       </a:defRPr>
     </a:lvl5pPr>
-    <a:lvl6pPr marL="560501" algn="l" defTabSz="224201" rtl="0" eaLnBrk="1" latinLnBrk="0" hangingPunct="1">
-      <a:defRPr kumimoji="1" sz="294" kern="1200">
+    <a:lvl6pPr marL="409670" algn="l" defTabSz="163869" rtl="0" eaLnBrk="1" latinLnBrk="0" hangingPunct="1">
+      <a:defRPr kumimoji="1" sz="215" kern="1200">
         <a:solidFill>
           <a:schemeClr val="tx1"/>
         </a:solidFill>
@@ -1537,8 +1540,8 @@
         <a:cs typeface="+mn-cs"/>
       </a:defRPr>
     </a:lvl6pPr>
-    <a:lvl7pPr marL="672602" algn="l" defTabSz="224201" rtl="0" eaLnBrk="1" latinLnBrk="0" hangingPunct="1">
-      <a:defRPr kumimoji="1" sz="294" kern="1200">
+    <a:lvl7pPr marL="491605" algn="l" defTabSz="163869" rtl="0" eaLnBrk="1" latinLnBrk="0" hangingPunct="1">
+      <a:defRPr kumimoji="1" sz="215" kern="1200">
         <a:solidFill>
           <a:schemeClr val="tx1"/>
         </a:solidFill>
@@ -1547,8 +1550,8 @@
         <a:cs typeface="+mn-cs"/>
       </a:defRPr>
     </a:lvl7pPr>
-    <a:lvl8pPr marL="784702" algn="l" defTabSz="224201" rtl="0" eaLnBrk="1" latinLnBrk="0" hangingPunct="1">
-      <a:defRPr kumimoji="1" sz="294" kern="1200">
+    <a:lvl8pPr marL="573539" algn="l" defTabSz="163869" rtl="0" eaLnBrk="1" latinLnBrk="0" hangingPunct="1">
+      <a:defRPr kumimoji="1" sz="215" kern="1200">
         <a:solidFill>
           <a:schemeClr val="tx1"/>
         </a:solidFill>
@@ -1557,8 +1560,8 @@
         <a:cs typeface="+mn-cs"/>
       </a:defRPr>
     </a:lvl8pPr>
-    <a:lvl9pPr marL="896802" algn="l" defTabSz="224201" rtl="0" eaLnBrk="1" latinLnBrk="0" hangingPunct="1">
-      <a:defRPr kumimoji="1" sz="294" kern="1200">
+    <a:lvl9pPr marL="655473" algn="l" defTabSz="163869" rtl="0" eaLnBrk="1" latinLnBrk="0" hangingPunct="1">
+      <a:defRPr kumimoji="1" sz="215" kern="1200">
         <a:solidFill>
           <a:schemeClr val="tx1"/>
         </a:solidFill>
@@ -1600,8 +1603,8 @@
         </p:nvSpPr>
         <p:spPr>
           <a:xfrm>
-            <a:off x="1062038" y="1143000"/>
-            <a:ext cx="4733925" cy="3086100"/>
+            <a:off x="1036638" y="1143000"/>
+            <a:ext cx="4784725" cy="3086100"/>
           </a:xfrm>
         </p:spPr>
       </p:sp>
@@ -1753,8 +1756,8 @@
         </p:nvSpPr>
         <p:spPr>
           <a:xfrm>
-            <a:off x="693937" y="592099"/>
-            <a:ext cx="4163615" cy="1259570"/>
+            <a:off x="509390" y="429980"/>
+            <a:ext cx="3056334" cy="914694"/>
           </a:xfrm>
         </p:spPr>
         <p:txBody>
@@ -1785,8 +1788,8 @@
         </p:nvSpPr>
         <p:spPr>
           <a:xfrm>
-            <a:off x="693937" y="1900245"/>
-            <a:ext cx="4163615" cy="873491"/>
+            <a:off x="509390" y="1379950"/>
+            <a:ext cx="3056334" cy="634325"/>
           </a:xfrm>
         </p:spPr>
         <p:txBody>
@@ -1855,7 +1858,7 @@
           <a:p>
             <a:fld id="{05B1DBB0-D0CE-4499-8A6D-C73AC9430D35}" type="datetimeFigureOut">
               <a:rPr kumimoji="1" lang="ja-JP" altLang="en-US" smtClean="0"/>
-              <a:t>2017/4/4</a:t>
+              <a:t>2017/6/2</a:t>
             </a:fld>
             <a:endParaRPr kumimoji="1" lang="ja-JP" altLang="en-US"/>
           </a:p>
@@ -2057,7 +2060,7 @@
           <a:p>
             <a:fld id="{05B1DBB0-D0CE-4499-8A6D-C73AC9430D35}" type="datetimeFigureOut">
               <a:rPr kumimoji="1" lang="ja-JP" altLang="en-US" smtClean="0"/>
-              <a:t>2017/4/4</a:t>
+              <a:t>2017/6/2</a:t>
             </a:fld>
             <a:endParaRPr kumimoji="1" lang="ja-JP" altLang="en-US"/>
           </a:p>
@@ -2147,8 +2150,8 @@
         </p:nvSpPr>
         <p:spPr>
           <a:xfrm>
-            <a:off x="3972784" y="192620"/>
-            <a:ext cx="1197040" cy="3066014"/>
+            <a:off x="2916253" y="139880"/>
+            <a:ext cx="878697" cy="2226526"/>
           </a:xfrm>
         </p:spPr>
         <p:txBody>
@@ -2175,8 +2178,8 @@
         </p:nvSpPr>
         <p:spPr>
           <a:xfrm>
-            <a:off x="381665" y="192620"/>
-            <a:ext cx="3521726" cy="3066014"/>
+            <a:off x="280164" y="139880"/>
+            <a:ext cx="2585150" cy="2226526"/>
           </a:xfrm>
         </p:spPr>
         <p:txBody>
@@ -2269,7 +2272,7 @@
           <a:p>
             <a:fld id="{05B1DBB0-D0CE-4499-8A6D-C73AC9430D35}" type="datetimeFigureOut">
               <a:rPr kumimoji="1" lang="ja-JP" altLang="en-US" smtClean="0"/>
-              <a:t>2017/4/4</a:t>
+              <a:t>2017/6/2</a:t>
             </a:fld>
             <a:endParaRPr kumimoji="1" lang="ja-JP" altLang="en-US"/>
           </a:p>
@@ -2359,8 +2362,8 @@
         </p:nvSpPr>
         <p:spPr>
           <a:xfrm>
-            <a:off x="416713" y="1121557"/>
-            <a:ext cx="4722730" cy="276999"/>
+            <a:off x="305891" y="814471"/>
+            <a:ext cx="3466757" cy="276999"/>
           </a:xfrm>
           <a:prstGeom prst="rect">
             <a:avLst/>
@@ -2392,8 +2395,8 @@
         </p:nvSpPr>
         <p:spPr>
           <a:xfrm>
-            <a:off x="833423" y="2026037"/>
-            <a:ext cx="3889307" cy="276999"/>
+            <a:off x="611781" y="1471300"/>
+            <a:ext cx="2854976" cy="276999"/>
           </a:xfrm>
           <a:prstGeom prst="rect">
             <a:avLst/>
@@ -2469,7 +2472,7 @@
           <a:p>
             <a:fld id="{1D8BD707-D9CF-40AE-B4C6-C98DA3205C09}" type="datetimeFigureOut">
               <a:rPr lang="en-US"/>
-              <a:t>4/4/2017</a:t>
+              <a:t>6/2/2017</a:t>
             </a:fld>
             <a:endParaRPr lang="en-US"/>
           </a:p>
@@ -2639,7 +2642,7 @@
           <a:p>
             <a:fld id="{1D8BD707-D9CF-40AE-B4C6-C98DA3205C09}" type="datetimeFigureOut">
               <a:rPr lang="en-US"/>
-              <a:t>4/4/2017</a:t>
+              <a:t>6/2/2017</a:t>
             </a:fld>
             <a:endParaRPr lang="en-US"/>
           </a:p>
@@ -2742,8 +2745,8 @@
         </p:nvSpPr>
         <p:spPr>
           <a:xfrm>
-            <a:off x="277810" y="832122"/>
-            <a:ext cx="2416925" cy="276999"/>
+            <a:off x="203929" y="604284"/>
+            <a:ext cx="1774163" cy="276999"/>
           </a:xfrm>
           <a:prstGeom prst="rect">
             <a:avLst/>
@@ -2775,8 +2778,8 @@
         </p:nvSpPr>
         <p:spPr>
           <a:xfrm>
-            <a:off x="2861420" y="832122"/>
-            <a:ext cx="2416925" cy="276999"/>
+            <a:off x="2100448" y="604284"/>
+            <a:ext cx="1774163" cy="276999"/>
           </a:xfrm>
           <a:prstGeom prst="rect">
             <a:avLst/>
@@ -2852,7 +2855,7 @@
           <a:p>
             <a:fld id="{1D8BD707-D9CF-40AE-B4C6-C98DA3205C09}" type="datetimeFigureOut">
               <a:rPr lang="en-US"/>
-              <a:t>4/4/2017</a:t>
+              <a:t>6/2/2017</a:t>
             </a:fld>
             <a:endParaRPr lang="en-US"/>
           </a:p>
@@ -2999,7 +3002,7 @@
           <a:p>
             <a:fld id="{1D8BD707-D9CF-40AE-B4C6-C98DA3205C09}" type="datetimeFigureOut">
               <a:rPr lang="en-US"/>
-              <a:t>4/4/2017</a:t>
+              <a:t>6/2/2017</a:t>
             </a:fld>
             <a:endParaRPr lang="en-US"/>
           </a:p>
@@ -3123,7 +3126,7 @@
           <a:p>
             <a:fld id="{1D8BD707-D9CF-40AE-B4C6-C98DA3205C09}" type="datetimeFigureOut">
               <a:rPr lang="en-US"/>
-              <a:t>4/4/2017</a:t>
+              <a:t>6/2/2017</a:t>
             </a:fld>
             <a:endParaRPr lang="en-US"/>
           </a:p>
@@ -3315,7 +3318,7 @@
           <a:p>
             <a:fld id="{05B1DBB0-D0CE-4499-8A6D-C73AC9430D35}" type="datetimeFigureOut">
               <a:rPr kumimoji="1" lang="ja-JP" altLang="en-US" smtClean="0"/>
-              <a:t>2017/4/4</a:t>
+              <a:t>2017/6/2</a:t>
             </a:fld>
             <a:endParaRPr kumimoji="1" lang="ja-JP" altLang="en-US"/>
           </a:p>
@@ -3405,8 +3408,8 @@
         </p:nvSpPr>
         <p:spPr>
           <a:xfrm>
-            <a:off x="378774" y="901968"/>
-            <a:ext cx="4788158" cy="1504951"/>
+            <a:off x="278042" y="655006"/>
+            <a:ext cx="3514785" cy="1092889"/>
           </a:xfrm>
         </p:spPr>
         <p:txBody>
@@ -3437,8 +3440,8 @@
         </p:nvSpPr>
         <p:spPr>
           <a:xfrm>
-            <a:off x="378774" y="2421156"/>
-            <a:ext cx="4788158" cy="791418"/>
+            <a:off x="278042" y="1758233"/>
+            <a:ext cx="3514785" cy="574724"/>
           </a:xfrm>
         </p:spPr>
         <p:txBody>
@@ -3561,7 +3564,7 @@
           <a:p>
             <a:fld id="{05B1DBB0-D0CE-4499-8A6D-C73AC9430D35}" type="datetimeFigureOut">
               <a:rPr kumimoji="1" lang="ja-JP" altLang="en-US" smtClean="0"/>
-              <a:t>2017/4/4</a:t>
+              <a:t>2017/6/2</a:t>
             </a:fld>
             <a:endParaRPr kumimoji="1" lang="ja-JP" altLang="en-US"/>
           </a:p>
@@ -3674,8 +3677,8 @@
         </p:nvSpPr>
         <p:spPr>
           <a:xfrm>
-            <a:off x="381667" y="963105"/>
-            <a:ext cx="2359382" cy="2295533"/>
+            <a:off x="280165" y="699403"/>
+            <a:ext cx="1731923" cy="1667006"/>
           </a:xfrm>
         </p:spPr>
         <p:txBody>
@@ -3763,8 +3766,8 @@
         </p:nvSpPr>
         <p:spPr>
           <a:xfrm>
-            <a:off x="2810443" y="963105"/>
-            <a:ext cx="2359382" cy="2295533"/>
+            <a:off x="2063027" y="699403"/>
+            <a:ext cx="1731923" cy="1667006"/>
           </a:xfrm>
         </p:spPr>
         <p:txBody>
@@ -3857,7 +3860,7 @@
           <a:p>
             <a:fld id="{05B1DBB0-D0CE-4499-8A6D-C73AC9430D35}" type="datetimeFigureOut">
               <a:rPr kumimoji="1" lang="ja-JP" altLang="en-US" smtClean="0"/>
-              <a:t>2017/4/4</a:t>
+              <a:t>2017/6/2</a:t>
             </a:fld>
             <a:endParaRPr kumimoji="1" lang="ja-JP" altLang="en-US"/>
           </a:p>
@@ -3947,8 +3950,8 @@
         </p:nvSpPr>
         <p:spPr>
           <a:xfrm>
-            <a:off x="382390" y="192621"/>
-            <a:ext cx="4788158" cy="699296"/>
+            <a:off x="280696" y="139880"/>
+            <a:ext cx="3514785" cy="507826"/>
           </a:xfrm>
         </p:spPr>
         <p:txBody>
@@ -3975,8 +3978,8 @@
         </p:nvSpPr>
         <p:spPr>
           <a:xfrm>
-            <a:off x="382390" y="886892"/>
-            <a:ext cx="2348539" cy="434652"/>
+            <a:off x="280697" y="644057"/>
+            <a:ext cx="1723963" cy="315642"/>
           </a:xfrm>
         </p:spPr>
         <p:txBody>
@@ -4040,8 +4043,8 @@
         </p:nvSpPr>
         <p:spPr>
           <a:xfrm>
-            <a:off x="382390" y="1321547"/>
-            <a:ext cx="2348539" cy="1943791"/>
+            <a:off x="280697" y="959702"/>
+            <a:ext cx="1723963" cy="1411573"/>
           </a:xfrm>
         </p:spPr>
         <p:txBody>
@@ -4129,8 +4132,8 @@
         </p:nvSpPr>
         <p:spPr>
           <a:xfrm>
-            <a:off x="2810444" y="886892"/>
-            <a:ext cx="2360105" cy="434652"/>
+            <a:off x="2063029" y="644057"/>
+            <a:ext cx="1732453" cy="315642"/>
           </a:xfrm>
         </p:spPr>
         <p:txBody>
@@ -4194,8 +4197,8 @@
         </p:nvSpPr>
         <p:spPr>
           <a:xfrm>
-            <a:off x="2810444" y="1321547"/>
-            <a:ext cx="2360105" cy="1943791"/>
+            <a:off x="2063029" y="959702"/>
+            <a:ext cx="1732453" cy="1411573"/>
           </a:xfrm>
         </p:spPr>
         <p:txBody>
@@ -4288,7 +4291,7 @@
           <a:p>
             <a:fld id="{05B1DBB0-D0CE-4499-8A6D-C73AC9430D35}" type="datetimeFigureOut">
               <a:rPr kumimoji="1" lang="ja-JP" altLang="en-US" smtClean="0"/>
-              <a:t>2017/4/4</a:t>
+              <a:t>2017/6/2</a:t>
             </a:fld>
             <a:endParaRPr kumimoji="1" lang="ja-JP" altLang="en-US"/>
           </a:p>
@@ -4406,7 +4409,7 @@
           <a:p>
             <a:fld id="{05B1DBB0-D0CE-4499-8A6D-C73AC9430D35}" type="datetimeFigureOut">
               <a:rPr kumimoji="1" lang="ja-JP" altLang="en-US" smtClean="0"/>
-              <a:t>2017/4/4</a:t>
+              <a:t>2017/6/2</a:t>
             </a:fld>
             <a:endParaRPr kumimoji="1" lang="ja-JP" altLang="en-US"/>
           </a:p>
@@ -4501,7 +4504,7 @@
           <a:p>
             <a:fld id="{05B1DBB0-D0CE-4499-8A6D-C73AC9430D35}" type="datetimeFigureOut">
               <a:rPr kumimoji="1" lang="ja-JP" altLang="en-US" smtClean="0"/>
-              <a:t>2017/4/4</a:t>
+              <a:t>2017/6/2</a:t>
             </a:fld>
             <a:endParaRPr kumimoji="1" lang="ja-JP" altLang="en-US"/>
           </a:p>
@@ -4591,8 +4594,8 @@
         </p:nvSpPr>
         <p:spPr>
           <a:xfrm>
-            <a:off x="382390" y="241195"/>
-            <a:ext cx="1790500" cy="844180"/>
+            <a:off x="280697" y="175155"/>
+            <a:ext cx="1314330" cy="613040"/>
           </a:xfrm>
         </p:spPr>
         <p:txBody>
@@ -4623,8 +4626,8 @@
         </p:nvSpPr>
         <p:spPr>
           <a:xfrm>
-            <a:off x="2360106" y="520916"/>
-            <a:ext cx="2810441" cy="2571063"/>
+            <a:off x="1732455" y="378287"/>
+            <a:ext cx="2063026" cy="1867095"/>
           </a:xfrm>
         </p:spPr>
         <p:txBody>
@@ -4740,8 +4743,8 @@
         </p:nvSpPr>
         <p:spPr>
           <a:xfrm>
-            <a:off x="382390" y="1085377"/>
-            <a:ext cx="1790500" cy="2010789"/>
+            <a:off x="280697" y="788197"/>
+            <a:ext cx="1314330" cy="1460226"/>
           </a:xfrm>
         </p:spPr>
         <p:txBody>
@@ -4810,7 +4813,7 @@
           <a:p>
             <a:fld id="{05B1DBB0-D0CE-4499-8A6D-C73AC9430D35}" type="datetimeFigureOut">
               <a:rPr kumimoji="1" lang="ja-JP" altLang="en-US" smtClean="0"/>
-              <a:t>2017/4/4</a:t>
+              <a:t>2017/6/2</a:t>
             </a:fld>
             <a:endParaRPr kumimoji="1" lang="ja-JP" altLang="en-US"/>
           </a:p>
@@ -4900,8 +4903,8 @@
         </p:nvSpPr>
         <p:spPr>
           <a:xfrm>
-            <a:off x="382390" y="241195"/>
-            <a:ext cx="1790500" cy="844180"/>
+            <a:off x="280697" y="175155"/>
+            <a:ext cx="1314330" cy="613040"/>
           </a:xfrm>
         </p:spPr>
         <p:txBody>
@@ -4932,8 +4935,8 @@
         </p:nvSpPr>
         <p:spPr>
           <a:xfrm>
-            <a:off x="2360106" y="520916"/>
-            <a:ext cx="2810441" cy="2571063"/>
+            <a:off x="1732455" y="378287"/>
+            <a:ext cx="2063026" cy="1867095"/>
           </a:xfrm>
         </p:spPr>
         <p:txBody>
@@ -4993,8 +4996,8 @@
         </p:nvSpPr>
         <p:spPr>
           <a:xfrm>
-            <a:off x="382390" y="1085377"/>
-            <a:ext cx="1790500" cy="2010789"/>
+            <a:off x="280697" y="788197"/>
+            <a:ext cx="1314330" cy="1460226"/>
           </a:xfrm>
         </p:spPr>
         <p:txBody>
@@ -5063,7 +5066,7 @@
           <a:p>
             <a:fld id="{05B1DBB0-D0CE-4499-8A6D-C73AC9430D35}" type="datetimeFigureOut">
               <a:rPr kumimoji="1" lang="ja-JP" altLang="en-US" smtClean="0"/>
-              <a:t>2017/4/4</a:t>
+              <a:t>2017/6/2</a:t>
             </a:fld>
             <a:endParaRPr kumimoji="1" lang="ja-JP" altLang="en-US"/>
           </a:p>
@@ -5158,8 +5161,8 @@
         </p:nvSpPr>
         <p:spPr>
           <a:xfrm>
-            <a:off x="381665" y="192621"/>
-            <a:ext cx="4788158" cy="699296"/>
+            <a:off x="280164" y="139880"/>
+            <a:ext cx="3514785" cy="507826"/>
           </a:xfrm>
           <a:prstGeom prst="rect">
             <a:avLst/>
@@ -5191,8 +5194,8 @@
         </p:nvSpPr>
         <p:spPr>
           <a:xfrm>
-            <a:off x="381665" y="963105"/>
-            <a:ext cx="4788158" cy="2295533"/>
+            <a:off x="280164" y="699403"/>
+            <a:ext cx="3514785" cy="1667006"/>
           </a:xfrm>
           <a:prstGeom prst="rect">
             <a:avLst/>
@@ -5285,8 +5288,8 @@
         </p:nvSpPr>
         <p:spPr>
           <a:xfrm>
-            <a:off x="381667" y="3353271"/>
-            <a:ext cx="1249084" cy="192620"/>
+            <a:off x="280166" y="2435131"/>
+            <a:ext cx="916900" cy="139880"/>
           </a:xfrm>
           <a:prstGeom prst="rect">
             <a:avLst/>
@@ -5308,7 +5311,7 @@
           <a:p>
             <a:fld id="{05B1DBB0-D0CE-4499-8A6D-C73AC9430D35}" type="datetimeFigureOut">
               <a:rPr kumimoji="1" lang="ja-JP" altLang="en-US" smtClean="0"/>
-              <a:t>2017/4/4</a:t>
+              <a:t>2017/6/2</a:t>
             </a:fld>
             <a:endParaRPr kumimoji="1" lang="ja-JP" altLang="en-US"/>
           </a:p>
@@ -5326,8 +5329,8 @@
         </p:nvSpPr>
         <p:spPr>
           <a:xfrm>
-            <a:off x="1838931" y="3353271"/>
-            <a:ext cx="1873629" cy="192620"/>
+            <a:off x="1349882" y="2435131"/>
+            <a:ext cx="1375352" cy="139880"/>
           </a:xfrm>
           <a:prstGeom prst="rect">
             <a:avLst/>
@@ -5363,8 +5366,8 @@
         </p:nvSpPr>
         <p:spPr>
           <a:xfrm>
-            <a:off x="3920740" y="3353271"/>
-            <a:ext cx="1249084" cy="192620"/>
+            <a:off x="2878050" y="2435131"/>
+            <a:ext cx="916900" cy="139880"/>
           </a:xfrm>
           <a:prstGeom prst="rect">
             <a:avLst/>
@@ -5733,8 +5736,8 @@
         </p:nvSpPr>
         <p:spPr>
           <a:xfrm>
-            <a:off x="277809" y="144722"/>
-            <a:ext cx="5000538" cy="276999"/>
+            <a:off x="203928" y="105097"/>
+            <a:ext cx="3670684" cy="276999"/>
           </a:xfrm>
           <a:prstGeom prst="rect">
             <a:avLst/>
@@ -5766,8 +5769,8 @@
         </p:nvSpPr>
         <p:spPr>
           <a:xfrm>
-            <a:off x="277809" y="832122"/>
-            <a:ext cx="5000538" cy="276999"/>
+            <a:off x="203928" y="604284"/>
+            <a:ext cx="3670684" cy="276999"/>
           </a:xfrm>
           <a:prstGeom prst="rect">
             <a:avLst/>
@@ -5799,8 +5802,8 @@
         </p:nvSpPr>
         <p:spPr>
           <a:xfrm>
-            <a:off x="1889095" y="3364664"/>
-            <a:ext cx="1777969" cy="67839"/>
+            <a:off x="1386705" y="2443405"/>
+            <a:ext cx="1305132" cy="49264"/>
           </a:xfrm>
           <a:prstGeom prst="rect">
             <a:avLst/>
@@ -5838,8 +5841,8 @@
         </p:nvSpPr>
         <p:spPr>
           <a:xfrm>
-            <a:off x="277810" y="3364664"/>
-            <a:ext cx="1277915" cy="67839"/>
+            <a:off x="203929" y="2443405"/>
+            <a:ext cx="938063" cy="49264"/>
           </a:xfrm>
           <a:prstGeom prst="rect">
             <a:avLst/>
@@ -5863,7 +5866,7 @@
           <a:p>
             <a:fld id="{1D8BD707-D9CF-40AE-B4C6-C98DA3205C09}" type="datetimeFigureOut">
               <a:rPr lang="en-US"/>
-              <a:t>4/4/2017</a:t>
+              <a:t>6/2/2017</a:t>
             </a:fld>
             <a:endParaRPr lang="en-US"/>
           </a:p>
@@ -5881,8 +5884,8 @@
         </p:nvSpPr>
         <p:spPr>
           <a:xfrm>
-            <a:off x="4000433" y="3364664"/>
-            <a:ext cx="1277915" cy="67839"/>
+            <a:off x="2936550" y="2443405"/>
+            <a:ext cx="938063" cy="49264"/>
           </a:xfrm>
           <a:prstGeom prst="rect">
             <a:avLst/>
@@ -6089,21 +6092,21 @@
       </p:grpSpPr>
       <p:graphicFrame>
         <p:nvGraphicFramePr>
-          <p:cNvPr id="5" name="グラフ 4"/>
+          <p:cNvPr id="4" name="グラフ 3"/>
           <p:cNvGraphicFramePr>
             <a:graphicFrameLocks/>
           </p:cNvGraphicFramePr>
           <p:nvPr>
             <p:extLst>
               <p:ext uri="{D42A27DB-BD31-4B8C-83A1-F6EECF244321}">
-                <p14:modId xmlns:p14="http://schemas.microsoft.com/office/powerpoint/2010/main" val="397467949"/>
+                <p14:modId xmlns:p14="http://schemas.microsoft.com/office/powerpoint/2010/main" val="3948727068"/>
               </p:ext>
             </p:extLst>
           </p:nvPr>
         </p:nvGraphicFramePr>
         <p:xfrm>
-          <a:off x="0" y="0"/>
-          <a:ext cx="5551488" cy="3617913"/>
+          <a:off x="8541" y="-3481"/>
+          <a:ext cx="4058030" cy="2634276"/>
         </p:xfrm>
         <a:graphic>
           <a:graphicData uri="http://schemas.openxmlformats.org/drawingml/2006/chart">
